--- a/teaching/ITIS6200/2023fa/lectures/access.control.pptx
+++ b/teaching/ITIS6200/2023fa/lectures/access.control.pptx
@@ -174,7 +174,7 @@
           <a:p>
             <a:fld id="{FB40D01D-0200-2B47-BC2D-7271BE5E8CEF}" type="datetimeFigureOut">
               <a:rPr lang="en-US" smtClean="0"/>
-              <a:t>9/14/23</a:t>
+              <a:t>9/21/23</a:t>
             </a:fld>
             <a:endParaRPr lang="en-US"/>
           </a:p>
@@ -820,92 +820,6 @@
       </p:sp>
       <p:sp>
         <p:nvSpPr>
-          <p:cNvPr id="4" name="Holder 4"/>
-          <p:cNvSpPr>
-            <a:spLocks noGrp="1"/>
-          </p:cNvSpPr>
-          <p:nvPr>
-            <p:ph type="ftr" sz="quarter" idx="5"/>
-          </p:nvPr>
-        </p:nvSpPr>
-        <p:spPr/>
-        <p:txBody>
-          <a:bodyPr lIns="0" tIns="0" rIns="0" bIns="0"/>
-          <a:lstStyle>
-            <a:lvl1pPr>
-              <a:defRPr sz="1200" b="0" i="0">
-                <a:solidFill>
-                  <a:srgbClr val="878787"/>
-                </a:solidFill>
-                <a:latin typeface="Calibri"/>
-                <a:cs typeface="Calibri"/>
-              </a:defRPr>
-            </a:lvl1pPr>
-          </a:lstStyle>
-          <a:p>
-            <a:pPr marL="12700">
-              <a:lnSpc>
-                <a:spcPts val="1240"/>
-              </a:lnSpc>
-            </a:pPr>
-            <a:r>
-              <a:rPr dirty="0"/>
-              <a:t>©</a:t>
-            </a:r>
-            <a:r>
-              <a:rPr spc="-10" dirty="0"/>
-              <a:t> </a:t>
-            </a:r>
-            <a:r>
-              <a:rPr dirty="0"/>
-              <a:t>Mihai</a:t>
-            </a:r>
-            <a:r>
-              <a:rPr spc="-20" dirty="0"/>
-              <a:t> </a:t>
-            </a:r>
-            <a:r>
-              <a:rPr spc="-10" dirty="0"/>
-              <a:t>Chiroiu</a:t>
-            </a:r>
-          </a:p>
-        </p:txBody>
-      </p:sp>
-      <p:sp>
-        <p:nvSpPr>
-          <p:cNvPr id="5" name="Holder 5"/>
-          <p:cNvSpPr>
-            <a:spLocks noGrp="1"/>
-          </p:cNvSpPr>
-          <p:nvPr>
-            <p:ph type="dt" sz="half" idx="6"/>
-          </p:nvPr>
-        </p:nvSpPr>
-        <p:spPr/>
-        <p:txBody>
-          <a:bodyPr lIns="0" tIns="0" rIns="0" bIns="0"/>
-          <a:lstStyle>
-            <a:lvl1pPr algn="l">
-              <a:defRPr>
-                <a:solidFill>
-                  <a:schemeClr val="tx1">
-                    <a:tint val="75000"/>
-                  </a:schemeClr>
-                </a:solidFill>
-              </a:defRPr>
-            </a:lvl1pPr>
-          </a:lstStyle>
-          <a:p>
-            <a:fld id="{1D8BD707-D9CF-40AE-B4C6-C98DA3205C09}" type="datetimeFigureOut">
-              <a:rPr lang="en-US"/>
-              <a:t>9/14/23</a:t>
-            </a:fld>
-            <a:endParaRPr lang="en-US"/>
-          </a:p>
-        </p:txBody>
-      </p:sp>
-      <p:sp>
-        <p:nvSpPr>
           <p:cNvPr id="6" name="Holder 6"/>
           <p:cNvSpPr>
             <a:spLocks noGrp="1"/>
@@ -914,7 +828,15 @@
             <p:ph type="sldNum" sz="quarter" idx="7"/>
           </p:nvPr>
         </p:nvSpPr>
-        <p:spPr/>
+        <p:spPr>
+          <a:xfrm>
+            <a:off x="11068557" y="6464985"/>
+            <a:ext cx="244475" cy="178434"/>
+          </a:xfrm>
+          <a:prstGeom prst="rect">
+            <a:avLst/>
+          </a:prstGeom>
+        </p:spPr>
         <p:txBody>
           <a:bodyPr lIns="0" tIns="0" rIns="0" bIns="0"/>
           <a:lstStyle>
@@ -1027,92 +949,6 @@
       </p:sp>
       <p:sp>
         <p:nvSpPr>
-          <p:cNvPr id="4" name="Holder 4"/>
-          <p:cNvSpPr>
-            <a:spLocks noGrp="1"/>
-          </p:cNvSpPr>
-          <p:nvPr>
-            <p:ph type="ftr" sz="quarter" idx="5"/>
-          </p:nvPr>
-        </p:nvSpPr>
-        <p:spPr/>
-        <p:txBody>
-          <a:bodyPr lIns="0" tIns="0" rIns="0" bIns="0"/>
-          <a:lstStyle>
-            <a:lvl1pPr>
-              <a:defRPr sz="1200" b="0" i="0">
-                <a:solidFill>
-                  <a:srgbClr val="878787"/>
-                </a:solidFill>
-                <a:latin typeface="Calibri"/>
-                <a:cs typeface="Calibri"/>
-              </a:defRPr>
-            </a:lvl1pPr>
-          </a:lstStyle>
-          <a:p>
-            <a:pPr marL="12700">
-              <a:lnSpc>
-                <a:spcPts val="1240"/>
-              </a:lnSpc>
-            </a:pPr>
-            <a:r>
-              <a:rPr dirty="0"/>
-              <a:t>©</a:t>
-            </a:r>
-            <a:r>
-              <a:rPr spc="-10" dirty="0"/>
-              <a:t> </a:t>
-            </a:r>
-            <a:r>
-              <a:rPr dirty="0"/>
-              <a:t>Mihai</a:t>
-            </a:r>
-            <a:r>
-              <a:rPr spc="-20" dirty="0"/>
-              <a:t> </a:t>
-            </a:r>
-            <a:r>
-              <a:rPr spc="-10" dirty="0"/>
-              <a:t>Chiroiu</a:t>
-            </a:r>
-          </a:p>
-        </p:txBody>
-      </p:sp>
-      <p:sp>
-        <p:nvSpPr>
-          <p:cNvPr id="5" name="Holder 5"/>
-          <p:cNvSpPr>
-            <a:spLocks noGrp="1"/>
-          </p:cNvSpPr>
-          <p:nvPr>
-            <p:ph type="dt" sz="half" idx="6"/>
-          </p:nvPr>
-        </p:nvSpPr>
-        <p:spPr/>
-        <p:txBody>
-          <a:bodyPr lIns="0" tIns="0" rIns="0" bIns="0"/>
-          <a:lstStyle>
-            <a:lvl1pPr algn="l">
-              <a:defRPr>
-                <a:solidFill>
-                  <a:schemeClr val="tx1">
-                    <a:tint val="75000"/>
-                  </a:schemeClr>
-                </a:solidFill>
-              </a:defRPr>
-            </a:lvl1pPr>
-          </a:lstStyle>
-          <a:p>
-            <a:fld id="{1D8BD707-D9CF-40AE-B4C6-C98DA3205C09}" type="datetimeFigureOut">
-              <a:rPr lang="en-US"/>
-              <a:t>9/14/23</a:t>
-            </a:fld>
-            <a:endParaRPr lang="en-US"/>
-          </a:p>
-        </p:txBody>
-      </p:sp>
-      <p:sp>
-        <p:nvSpPr>
           <p:cNvPr id="6" name="Holder 6"/>
           <p:cNvSpPr>
             <a:spLocks noGrp="1"/>
@@ -1121,7 +957,15 @@
             <p:ph type="sldNum" sz="quarter" idx="7"/>
           </p:nvPr>
         </p:nvSpPr>
-        <p:spPr/>
+        <p:spPr>
+          <a:xfrm>
+            <a:off x="11068557" y="6464985"/>
+            <a:ext cx="244475" cy="178434"/>
+          </a:xfrm>
+          <a:prstGeom prst="rect">
+            <a:avLst/>
+          </a:prstGeom>
+        </p:spPr>
         <p:txBody>
           <a:bodyPr lIns="0" tIns="0" rIns="0" bIns="0"/>
           <a:lstStyle>
@@ -1277,92 +1121,6 @@
       </p:sp>
       <p:sp>
         <p:nvSpPr>
-          <p:cNvPr id="5" name="Holder 5"/>
-          <p:cNvSpPr>
-            <a:spLocks noGrp="1"/>
-          </p:cNvSpPr>
-          <p:nvPr>
-            <p:ph type="ftr" sz="quarter" idx="5"/>
-          </p:nvPr>
-        </p:nvSpPr>
-        <p:spPr/>
-        <p:txBody>
-          <a:bodyPr lIns="0" tIns="0" rIns="0" bIns="0"/>
-          <a:lstStyle>
-            <a:lvl1pPr>
-              <a:defRPr sz="1200" b="0" i="0">
-                <a:solidFill>
-                  <a:srgbClr val="878787"/>
-                </a:solidFill>
-                <a:latin typeface="Calibri"/>
-                <a:cs typeface="Calibri"/>
-              </a:defRPr>
-            </a:lvl1pPr>
-          </a:lstStyle>
-          <a:p>
-            <a:pPr marL="12700">
-              <a:lnSpc>
-                <a:spcPts val="1240"/>
-              </a:lnSpc>
-            </a:pPr>
-            <a:r>
-              <a:rPr dirty="0"/>
-              <a:t>©</a:t>
-            </a:r>
-            <a:r>
-              <a:rPr spc="-10" dirty="0"/>
-              <a:t> </a:t>
-            </a:r>
-            <a:r>
-              <a:rPr dirty="0"/>
-              <a:t>Mihai</a:t>
-            </a:r>
-            <a:r>
-              <a:rPr spc="-20" dirty="0"/>
-              <a:t> </a:t>
-            </a:r>
-            <a:r>
-              <a:rPr spc="-10" dirty="0"/>
-              <a:t>Chiroiu</a:t>
-            </a:r>
-          </a:p>
-        </p:txBody>
-      </p:sp>
-      <p:sp>
-        <p:nvSpPr>
-          <p:cNvPr id="6" name="Holder 6"/>
-          <p:cNvSpPr>
-            <a:spLocks noGrp="1"/>
-          </p:cNvSpPr>
-          <p:nvPr>
-            <p:ph type="dt" sz="half" idx="6"/>
-          </p:nvPr>
-        </p:nvSpPr>
-        <p:spPr/>
-        <p:txBody>
-          <a:bodyPr lIns="0" tIns="0" rIns="0" bIns="0"/>
-          <a:lstStyle>
-            <a:lvl1pPr algn="l">
-              <a:defRPr>
-                <a:solidFill>
-                  <a:schemeClr val="tx1">
-                    <a:tint val="75000"/>
-                  </a:schemeClr>
-                </a:solidFill>
-              </a:defRPr>
-            </a:lvl1pPr>
-          </a:lstStyle>
-          <a:p>
-            <a:fld id="{1D8BD707-D9CF-40AE-B4C6-C98DA3205C09}" type="datetimeFigureOut">
-              <a:rPr lang="en-US"/>
-              <a:t>9/14/23</a:t>
-            </a:fld>
-            <a:endParaRPr lang="en-US"/>
-          </a:p>
-        </p:txBody>
-      </p:sp>
-      <p:sp>
-        <p:nvSpPr>
           <p:cNvPr id="7" name="Holder 7"/>
           <p:cNvSpPr>
             <a:spLocks noGrp="1"/>
@@ -1371,7 +1129,15 @@
             <p:ph type="sldNum" sz="quarter" idx="7"/>
           </p:nvPr>
         </p:nvSpPr>
-        <p:spPr/>
+        <p:spPr>
+          <a:xfrm>
+            <a:off x="11068557" y="6464985"/>
+            <a:ext cx="244475" cy="178434"/>
+          </a:xfrm>
+          <a:prstGeom prst="rect">
+            <a:avLst/>
+          </a:prstGeom>
+        </p:spPr>
         <p:txBody>
           <a:bodyPr lIns="0" tIns="0" rIns="0" bIns="0"/>
           <a:lstStyle>
@@ -1455,92 +1221,6 @@
       </p:sp>
       <p:sp>
         <p:nvSpPr>
-          <p:cNvPr id="3" name="Holder 3"/>
-          <p:cNvSpPr>
-            <a:spLocks noGrp="1"/>
-          </p:cNvSpPr>
-          <p:nvPr>
-            <p:ph type="ftr" sz="quarter" idx="5"/>
-          </p:nvPr>
-        </p:nvSpPr>
-        <p:spPr/>
-        <p:txBody>
-          <a:bodyPr lIns="0" tIns="0" rIns="0" bIns="0"/>
-          <a:lstStyle>
-            <a:lvl1pPr>
-              <a:defRPr sz="1200" b="0" i="0">
-                <a:solidFill>
-                  <a:srgbClr val="878787"/>
-                </a:solidFill>
-                <a:latin typeface="Calibri"/>
-                <a:cs typeface="Calibri"/>
-              </a:defRPr>
-            </a:lvl1pPr>
-          </a:lstStyle>
-          <a:p>
-            <a:pPr marL="12700">
-              <a:lnSpc>
-                <a:spcPts val="1240"/>
-              </a:lnSpc>
-            </a:pPr>
-            <a:r>
-              <a:rPr dirty="0"/>
-              <a:t>©</a:t>
-            </a:r>
-            <a:r>
-              <a:rPr spc="-10" dirty="0"/>
-              <a:t> </a:t>
-            </a:r>
-            <a:r>
-              <a:rPr dirty="0"/>
-              <a:t>Mihai</a:t>
-            </a:r>
-            <a:r>
-              <a:rPr spc="-20" dirty="0"/>
-              <a:t> </a:t>
-            </a:r>
-            <a:r>
-              <a:rPr spc="-10" dirty="0"/>
-              <a:t>Chiroiu</a:t>
-            </a:r>
-          </a:p>
-        </p:txBody>
-      </p:sp>
-      <p:sp>
-        <p:nvSpPr>
-          <p:cNvPr id="4" name="Holder 4"/>
-          <p:cNvSpPr>
-            <a:spLocks noGrp="1"/>
-          </p:cNvSpPr>
-          <p:nvPr>
-            <p:ph type="dt" sz="half" idx="6"/>
-          </p:nvPr>
-        </p:nvSpPr>
-        <p:spPr/>
-        <p:txBody>
-          <a:bodyPr lIns="0" tIns="0" rIns="0" bIns="0"/>
-          <a:lstStyle>
-            <a:lvl1pPr algn="l">
-              <a:defRPr>
-                <a:solidFill>
-                  <a:schemeClr val="tx1">
-                    <a:tint val="75000"/>
-                  </a:schemeClr>
-                </a:solidFill>
-              </a:defRPr>
-            </a:lvl1pPr>
-          </a:lstStyle>
-          <a:p>
-            <a:fld id="{1D8BD707-D9CF-40AE-B4C6-C98DA3205C09}" type="datetimeFigureOut">
-              <a:rPr lang="en-US"/>
-              <a:t>9/14/23</a:t>
-            </a:fld>
-            <a:endParaRPr lang="en-US"/>
-          </a:p>
-        </p:txBody>
-      </p:sp>
-      <p:sp>
-        <p:nvSpPr>
           <p:cNvPr id="5" name="Holder 5"/>
           <p:cNvSpPr>
             <a:spLocks noGrp="1"/>
@@ -1549,7 +1229,15 @@
             <p:ph type="sldNum" sz="quarter" idx="7"/>
           </p:nvPr>
         </p:nvSpPr>
-        <p:spPr/>
+        <p:spPr>
+          <a:xfrm>
+            <a:off x="11068557" y="6464985"/>
+            <a:ext cx="244475" cy="178434"/>
+          </a:xfrm>
+          <a:prstGeom prst="rect">
+            <a:avLst/>
+          </a:prstGeom>
+        </p:spPr>
         <p:txBody>
           <a:bodyPr lIns="0" tIns="0" rIns="0" bIns="0"/>
           <a:lstStyle>
@@ -1604,92 +1292,6 @@
       </p:grpSpPr>
       <p:sp>
         <p:nvSpPr>
-          <p:cNvPr id="2" name="Holder 2"/>
-          <p:cNvSpPr>
-            <a:spLocks noGrp="1"/>
-          </p:cNvSpPr>
-          <p:nvPr>
-            <p:ph type="ftr" sz="quarter" idx="5"/>
-          </p:nvPr>
-        </p:nvSpPr>
-        <p:spPr/>
-        <p:txBody>
-          <a:bodyPr lIns="0" tIns="0" rIns="0" bIns="0"/>
-          <a:lstStyle>
-            <a:lvl1pPr>
-              <a:defRPr sz="1200" b="0" i="0">
-                <a:solidFill>
-                  <a:srgbClr val="878787"/>
-                </a:solidFill>
-                <a:latin typeface="Calibri"/>
-                <a:cs typeface="Calibri"/>
-              </a:defRPr>
-            </a:lvl1pPr>
-          </a:lstStyle>
-          <a:p>
-            <a:pPr marL="12700">
-              <a:lnSpc>
-                <a:spcPts val="1240"/>
-              </a:lnSpc>
-            </a:pPr>
-            <a:r>
-              <a:rPr dirty="0"/>
-              <a:t>©</a:t>
-            </a:r>
-            <a:r>
-              <a:rPr spc="-10" dirty="0"/>
-              <a:t> </a:t>
-            </a:r>
-            <a:r>
-              <a:rPr dirty="0"/>
-              <a:t>Mihai</a:t>
-            </a:r>
-            <a:r>
-              <a:rPr spc="-20" dirty="0"/>
-              <a:t> </a:t>
-            </a:r>
-            <a:r>
-              <a:rPr spc="-10" dirty="0"/>
-              <a:t>Chiroiu</a:t>
-            </a:r>
-          </a:p>
-        </p:txBody>
-      </p:sp>
-      <p:sp>
-        <p:nvSpPr>
-          <p:cNvPr id="3" name="Holder 3"/>
-          <p:cNvSpPr>
-            <a:spLocks noGrp="1"/>
-          </p:cNvSpPr>
-          <p:nvPr>
-            <p:ph type="dt" sz="half" idx="6"/>
-          </p:nvPr>
-        </p:nvSpPr>
-        <p:spPr/>
-        <p:txBody>
-          <a:bodyPr lIns="0" tIns="0" rIns="0" bIns="0"/>
-          <a:lstStyle>
-            <a:lvl1pPr algn="l">
-              <a:defRPr>
-                <a:solidFill>
-                  <a:schemeClr val="tx1">
-                    <a:tint val="75000"/>
-                  </a:schemeClr>
-                </a:solidFill>
-              </a:defRPr>
-            </a:lvl1pPr>
-          </a:lstStyle>
-          <a:p>
-            <a:fld id="{1D8BD707-D9CF-40AE-B4C6-C98DA3205C09}" type="datetimeFigureOut">
-              <a:rPr lang="en-US"/>
-              <a:t>9/14/23</a:t>
-            </a:fld>
-            <a:endParaRPr lang="en-US"/>
-          </a:p>
-        </p:txBody>
-      </p:sp>
-      <p:sp>
-        <p:nvSpPr>
           <p:cNvPr id="4" name="Holder 4"/>
           <p:cNvSpPr>
             <a:spLocks noGrp="1"/>
@@ -1698,7 +1300,15 @@
             <p:ph type="sldNum" sz="quarter" idx="7"/>
           </p:nvPr>
         </p:nvSpPr>
-        <p:spPr/>
+        <p:spPr>
+          <a:xfrm>
+            <a:off x="11068557" y="6464985"/>
+            <a:ext cx="244475" cy="178434"/>
+          </a:xfrm>
+          <a:prstGeom prst="rect">
+            <a:avLst/>
+          </a:prstGeom>
+        </p:spPr>
         <p:txBody>
           <a:bodyPr lIns="0" tIns="0" rIns="0" bIns="0"/>
           <a:lstStyle>
@@ -1759,50 +1369,6 @@
           <a:chExt cx="0" cy="0"/>
         </a:xfrm>
       </p:grpSpPr>
-      <p:pic>
-        <p:nvPicPr>
-          <p:cNvPr id="16" name="bg object 16"/>
-          <p:cNvPicPr/>
-          <p:nvPr/>
-        </p:nvPicPr>
-        <p:blipFill>
-          <a:blip r:embed="rId7" cstate="print"/>
-          <a:stretch>
-            <a:fillRect/>
-          </a:stretch>
-        </p:blipFill>
-        <p:spPr>
-          <a:xfrm>
-            <a:off x="6121908" y="6338315"/>
-            <a:ext cx="1117091" cy="393190"/>
-          </a:xfrm>
-          <a:prstGeom prst="rect">
-            <a:avLst/>
-          </a:prstGeom>
-        </p:spPr>
-      </p:pic>
-      <p:pic>
-        <p:nvPicPr>
-          <p:cNvPr id="17" name="bg object 17"/>
-          <p:cNvPicPr/>
-          <p:nvPr/>
-        </p:nvPicPr>
-        <p:blipFill>
-          <a:blip r:embed="rId8" cstate="print"/>
-          <a:stretch>
-            <a:fillRect/>
-          </a:stretch>
-        </p:blipFill>
-        <p:spPr>
-          <a:xfrm>
-            <a:off x="5003491" y="6347807"/>
-            <a:ext cx="1051142" cy="395282"/>
-          </a:xfrm>
-          <a:prstGeom prst="rect">
-            <a:avLst/>
-          </a:prstGeom>
-        </p:spPr>
-      </p:pic>
       <p:sp>
         <p:nvSpPr>
           <p:cNvPr id="2" name="Holder 2"/>
@@ -1878,160 +1444,6 @@
           </a:lstStyle>
           <a:p>
             <a:endParaRPr/>
-          </a:p>
-        </p:txBody>
-      </p:sp>
-      <p:sp>
-        <p:nvSpPr>
-          <p:cNvPr id="4" name="Holder 4"/>
-          <p:cNvSpPr>
-            <a:spLocks noGrp="1"/>
-          </p:cNvSpPr>
-          <p:nvPr>
-            <p:ph type="ftr" sz="quarter" idx="5"/>
-          </p:nvPr>
-        </p:nvSpPr>
-        <p:spPr>
-          <a:xfrm>
-            <a:off x="916939" y="6464985"/>
-            <a:ext cx="1019175" cy="178434"/>
-          </a:xfrm>
-          <a:prstGeom prst="rect">
-            <a:avLst/>
-          </a:prstGeom>
-        </p:spPr>
-        <p:txBody>
-          <a:bodyPr wrap="square" lIns="0" tIns="0" rIns="0" bIns="0">
-            <a:spAutoFit/>
-          </a:bodyPr>
-          <a:lstStyle>
-            <a:lvl1pPr>
-              <a:defRPr sz="1200" b="0" i="0">
-                <a:solidFill>
-                  <a:srgbClr val="878787"/>
-                </a:solidFill>
-                <a:latin typeface="Calibri"/>
-                <a:cs typeface="Calibri"/>
-              </a:defRPr>
-            </a:lvl1pPr>
-          </a:lstStyle>
-          <a:p>
-            <a:pPr marL="12700">
-              <a:lnSpc>
-                <a:spcPts val="1240"/>
-              </a:lnSpc>
-            </a:pPr>
-            <a:r>
-              <a:rPr dirty="0"/>
-              <a:t>©</a:t>
-            </a:r>
-            <a:r>
-              <a:rPr spc="-10" dirty="0"/>
-              <a:t> </a:t>
-            </a:r>
-            <a:r>
-              <a:rPr dirty="0"/>
-              <a:t>Mihai</a:t>
-            </a:r>
-            <a:r>
-              <a:rPr spc="-20" dirty="0"/>
-              <a:t> </a:t>
-            </a:r>
-            <a:r>
-              <a:rPr spc="-10" dirty="0"/>
-              <a:t>Chiroiu</a:t>
-            </a:r>
-          </a:p>
-        </p:txBody>
-      </p:sp>
-      <p:sp>
-        <p:nvSpPr>
-          <p:cNvPr id="5" name="Holder 5"/>
-          <p:cNvSpPr>
-            <a:spLocks noGrp="1"/>
-          </p:cNvSpPr>
-          <p:nvPr>
-            <p:ph type="dt" sz="half" idx="6"/>
-          </p:nvPr>
-        </p:nvSpPr>
-        <p:spPr>
-          <a:xfrm>
-            <a:off x="609600" y="6377940"/>
-            <a:ext cx="2804160" cy="342900"/>
-          </a:xfrm>
-          <a:prstGeom prst="rect">
-            <a:avLst/>
-          </a:prstGeom>
-        </p:spPr>
-        <p:txBody>
-          <a:bodyPr wrap="square" lIns="0" tIns="0" rIns="0" bIns="0">
-            <a:spAutoFit/>
-          </a:bodyPr>
-          <a:lstStyle>
-            <a:lvl1pPr algn="l">
-              <a:defRPr>
-                <a:solidFill>
-                  <a:schemeClr val="tx1">
-                    <a:tint val="75000"/>
-                  </a:schemeClr>
-                </a:solidFill>
-              </a:defRPr>
-            </a:lvl1pPr>
-          </a:lstStyle>
-          <a:p>
-            <a:fld id="{1D8BD707-D9CF-40AE-B4C6-C98DA3205C09}" type="datetimeFigureOut">
-              <a:rPr lang="en-US"/>
-              <a:t>9/14/23</a:t>
-            </a:fld>
-            <a:endParaRPr lang="en-US"/>
-          </a:p>
-        </p:txBody>
-      </p:sp>
-      <p:sp>
-        <p:nvSpPr>
-          <p:cNvPr id="6" name="Holder 6"/>
-          <p:cNvSpPr>
-            <a:spLocks noGrp="1"/>
-          </p:cNvSpPr>
-          <p:nvPr>
-            <p:ph type="sldNum" sz="quarter" idx="7"/>
-          </p:nvPr>
-        </p:nvSpPr>
-        <p:spPr>
-          <a:xfrm>
-            <a:off x="11068557" y="6464985"/>
-            <a:ext cx="244475" cy="178434"/>
-          </a:xfrm>
-          <a:prstGeom prst="rect">
-            <a:avLst/>
-          </a:prstGeom>
-        </p:spPr>
-        <p:txBody>
-          <a:bodyPr wrap="square" lIns="0" tIns="0" rIns="0" bIns="0">
-            <a:spAutoFit/>
-          </a:bodyPr>
-          <a:lstStyle>
-            <a:lvl1pPr>
-              <a:defRPr sz="1200" b="0" i="0">
-                <a:solidFill>
-                  <a:srgbClr val="878787"/>
-                </a:solidFill>
-                <a:latin typeface="Calibri"/>
-                <a:cs typeface="Calibri"/>
-              </a:defRPr>
-            </a:lvl1pPr>
-          </a:lstStyle>
-          <a:p>
-            <a:pPr marL="38100">
-              <a:lnSpc>
-                <a:spcPts val="1240"/>
-              </a:lnSpc>
-            </a:pPr>
-            <a:fld id="{81D60167-4931-47E6-BA6A-407CBD079E47}" type="slidenum">
-              <a:rPr spc="-25" dirty="0"/>
-              <a:t>‹#›</a:t>
-            </a:fld>
-            <a:endParaRPr spc="-25" dirty="0"/>
           </a:p>
         </p:txBody>
       </p:sp>
@@ -2595,10 +2007,14 @@
             <a:spLocks noGrp="1"/>
           </p:cNvSpPr>
           <p:nvPr>
-            <p:ph type="ftr" sz="quarter" idx="5"/>
+            <p:ph type="ftr" sz="quarter" idx="4294967295"/>
           </p:nvPr>
         </p:nvSpPr>
         <p:spPr>
+          <a:xfrm>
+            <a:off x="916939" y="6464985"/>
+            <a:ext cx="1019175" cy="178434"/>
+          </a:xfrm>
           <a:prstGeom prst="rect">
             <a:avLst/>
           </a:prstGeom>
@@ -3386,10 +2802,14 @@
             <a:spLocks noGrp="1"/>
           </p:cNvSpPr>
           <p:nvPr>
-            <p:ph type="ftr" sz="quarter" idx="5"/>
+            <p:ph type="ftr" sz="quarter" idx="4294967295"/>
           </p:nvPr>
         </p:nvSpPr>
         <p:spPr>
+          <a:xfrm>
+            <a:off x="916939" y="6464985"/>
+            <a:ext cx="1019175" cy="178434"/>
+          </a:xfrm>
           <a:prstGeom prst="rect">
             <a:avLst/>
           </a:prstGeom>
@@ -4043,10 +3463,14 @@
             <a:spLocks noGrp="1"/>
           </p:cNvSpPr>
           <p:nvPr>
-            <p:ph type="ftr" sz="quarter" idx="5"/>
+            <p:ph type="ftr" sz="quarter" idx="4294967295"/>
           </p:nvPr>
         </p:nvSpPr>
         <p:spPr>
+          <a:xfrm>
+            <a:off x="916939" y="6464985"/>
+            <a:ext cx="1019175" cy="178434"/>
+          </a:xfrm>
           <a:prstGeom prst="rect">
             <a:avLst/>
           </a:prstGeom>
@@ -4203,10 +3627,14 @@
             <a:spLocks noGrp="1"/>
           </p:cNvSpPr>
           <p:nvPr>
-            <p:ph type="ftr" sz="quarter" idx="5"/>
+            <p:ph type="ftr" sz="quarter" idx="4294967295"/>
           </p:nvPr>
         </p:nvSpPr>
         <p:spPr>
+          <a:xfrm>
+            <a:off x="916939" y="6464985"/>
+            <a:ext cx="1019175" cy="178434"/>
+          </a:xfrm>
           <a:prstGeom prst="rect">
             <a:avLst/>
           </a:prstGeom>
@@ -5574,10 +5002,14 @@
             <a:spLocks noGrp="1"/>
           </p:cNvSpPr>
           <p:nvPr>
-            <p:ph type="ftr" sz="quarter" idx="5"/>
+            <p:ph type="ftr" sz="quarter" idx="4294967295"/>
           </p:nvPr>
         </p:nvSpPr>
         <p:spPr>
+          <a:xfrm>
+            <a:off x="916939" y="6464985"/>
+            <a:ext cx="1019175" cy="178434"/>
+          </a:xfrm>
           <a:prstGeom prst="rect">
             <a:avLst/>
           </a:prstGeom>
@@ -5718,10 +5150,14 @@
             <a:spLocks noGrp="1"/>
           </p:cNvSpPr>
           <p:nvPr>
-            <p:ph type="ftr" sz="quarter" idx="5"/>
+            <p:ph type="ftr" sz="quarter" idx="4294967295"/>
           </p:nvPr>
         </p:nvSpPr>
         <p:spPr>
+          <a:xfrm>
+            <a:off x="916939" y="6464985"/>
+            <a:ext cx="1019175" cy="178434"/>
+          </a:xfrm>
           <a:prstGeom prst="rect">
             <a:avLst/>
           </a:prstGeom>
@@ -6336,10 +5772,14 @@
             <a:spLocks noGrp="1"/>
           </p:cNvSpPr>
           <p:nvPr>
-            <p:ph type="ftr" sz="quarter" idx="5"/>
+            <p:ph type="ftr" sz="quarter" idx="4294967295"/>
           </p:nvPr>
         </p:nvSpPr>
         <p:spPr>
+          <a:xfrm>
+            <a:off x="916939" y="6464985"/>
+            <a:ext cx="1019175" cy="178434"/>
+          </a:xfrm>
           <a:prstGeom prst="rect">
             <a:avLst/>
           </a:prstGeom>
@@ -9222,10 +8662,14 @@
             <a:spLocks noGrp="1"/>
           </p:cNvSpPr>
           <p:nvPr>
-            <p:ph type="ftr" sz="quarter" idx="5"/>
+            <p:ph type="ftr" sz="quarter" idx="4294967295"/>
           </p:nvPr>
         </p:nvSpPr>
         <p:spPr>
+          <a:xfrm>
+            <a:off x="916939" y="6464985"/>
+            <a:ext cx="1019175" cy="178434"/>
+          </a:xfrm>
           <a:prstGeom prst="rect">
             <a:avLst/>
           </a:prstGeom>
@@ -9390,10 +8834,14 @@
             <a:spLocks noGrp="1"/>
           </p:cNvSpPr>
           <p:nvPr>
-            <p:ph type="ftr" sz="quarter" idx="5"/>
+            <p:ph type="ftr" sz="quarter" idx="4294967295"/>
           </p:nvPr>
         </p:nvSpPr>
         <p:spPr>
+          <a:xfrm>
+            <a:off x="916939" y="6464985"/>
+            <a:ext cx="1019175" cy="178434"/>
+          </a:xfrm>
           <a:prstGeom prst="rect">
             <a:avLst/>
           </a:prstGeom>
@@ -10803,10 +10251,14 @@
             <a:spLocks noGrp="1"/>
           </p:cNvSpPr>
           <p:nvPr>
-            <p:ph type="ftr" sz="quarter" idx="5"/>
+            <p:ph type="ftr" sz="quarter" idx="4294967295"/>
           </p:nvPr>
         </p:nvSpPr>
         <p:spPr>
+          <a:xfrm>
+            <a:off x="916939" y="6464985"/>
+            <a:ext cx="1019175" cy="178434"/>
+          </a:xfrm>
           <a:prstGeom prst="rect">
             <a:avLst/>
           </a:prstGeom>
@@ -12226,7 +11678,7 @@
               <a:rPr sz="6000" spc="-10" dirty="0"/>
               <a:t>Control</a:t>
             </a:r>
-            <a:endParaRPr sz="6000"/>
+            <a:endParaRPr sz="6000" dirty="0"/>
           </a:p>
           <a:p>
             <a:pPr algn="ctr">
@@ -12273,7 +11725,7 @@
               <a:rPr sz="2400" spc="-10" dirty="0"/>
               <a:t>Chiroiu</a:t>
             </a:r>
-            <a:endParaRPr sz="2400"/>
+            <a:endParaRPr sz="2400" dirty="0"/>
           </a:p>
         </p:txBody>
       </p:sp>
@@ -12357,10 +11809,14 @@
             <a:spLocks noGrp="1"/>
           </p:cNvSpPr>
           <p:nvPr>
-            <p:ph type="ftr" sz="quarter" idx="5"/>
+            <p:ph type="ftr" sz="quarter" idx="4294967295"/>
           </p:nvPr>
         </p:nvSpPr>
         <p:spPr>
+          <a:xfrm>
+            <a:off x="916939" y="6464985"/>
+            <a:ext cx="1019175" cy="178434"/>
+          </a:xfrm>
           <a:prstGeom prst="rect">
             <a:avLst/>
           </a:prstGeom>
@@ -13213,10 +12669,14 @@
             <a:spLocks noGrp="1"/>
           </p:cNvSpPr>
           <p:nvPr>
-            <p:ph type="ftr" sz="quarter" idx="5"/>
+            <p:ph type="ftr" sz="quarter" idx="4294967295"/>
           </p:nvPr>
         </p:nvSpPr>
         <p:spPr>
+          <a:xfrm>
+            <a:off x="916939" y="6464985"/>
+            <a:ext cx="1019175" cy="178434"/>
+          </a:xfrm>
           <a:prstGeom prst="rect">
             <a:avLst/>
           </a:prstGeom>
@@ -15062,10 +14522,14 @@
             <a:spLocks noGrp="1"/>
           </p:cNvSpPr>
           <p:nvPr>
-            <p:ph type="ftr" sz="quarter" idx="5"/>
+            <p:ph type="ftr" sz="quarter" idx="4294967295"/>
           </p:nvPr>
         </p:nvSpPr>
         <p:spPr>
+          <a:xfrm>
+            <a:off x="916939" y="6464985"/>
+            <a:ext cx="1019175" cy="178434"/>
+          </a:xfrm>
           <a:prstGeom prst="rect">
             <a:avLst/>
           </a:prstGeom>
@@ -15285,10 +14749,14 @@
             <a:spLocks noGrp="1"/>
           </p:cNvSpPr>
           <p:nvPr>
-            <p:ph type="ftr" sz="quarter" idx="5"/>
+            <p:ph type="ftr" sz="quarter" idx="4294967295"/>
           </p:nvPr>
         </p:nvSpPr>
         <p:spPr>
+          <a:xfrm>
+            <a:off x="916939" y="6464985"/>
+            <a:ext cx="1019175" cy="178434"/>
+          </a:xfrm>
           <a:prstGeom prst="rect">
             <a:avLst/>
           </a:prstGeom>
@@ -16069,10 +15537,14 @@
             <a:spLocks noGrp="1"/>
           </p:cNvSpPr>
           <p:nvPr>
-            <p:ph type="ftr" sz="quarter" idx="5"/>
+            <p:ph type="ftr" sz="quarter" idx="4294967295"/>
           </p:nvPr>
         </p:nvSpPr>
         <p:spPr>
+          <a:xfrm>
+            <a:off x="916939" y="6464985"/>
+            <a:ext cx="1019175" cy="178434"/>
+          </a:xfrm>
           <a:prstGeom prst="rect">
             <a:avLst/>
           </a:prstGeom>
@@ -17123,10 +16595,14 @@
             <a:spLocks noGrp="1"/>
           </p:cNvSpPr>
           <p:nvPr>
-            <p:ph type="ftr" sz="quarter" idx="5"/>
+            <p:ph type="ftr" sz="quarter" idx="4294967295"/>
           </p:nvPr>
         </p:nvSpPr>
         <p:spPr>
+          <a:xfrm>
+            <a:off x="916939" y="6464985"/>
+            <a:ext cx="1019175" cy="178434"/>
+          </a:xfrm>
           <a:prstGeom prst="rect">
             <a:avLst/>
           </a:prstGeom>
@@ -17335,10 +16811,14 @@
             <a:spLocks noGrp="1"/>
           </p:cNvSpPr>
           <p:nvPr>
-            <p:ph type="ftr" sz="quarter" idx="5"/>
+            <p:ph type="ftr" sz="quarter" idx="4294967295"/>
           </p:nvPr>
         </p:nvSpPr>
         <p:spPr>
+          <a:xfrm>
+            <a:off x="916939" y="6464985"/>
+            <a:ext cx="1019175" cy="178434"/>
+          </a:xfrm>
           <a:prstGeom prst="rect">
             <a:avLst/>
           </a:prstGeom>
@@ -18532,10 +18012,14 @@
             <a:spLocks noGrp="1"/>
           </p:cNvSpPr>
           <p:nvPr>
-            <p:ph type="ftr" sz="quarter" idx="5"/>
+            <p:ph type="ftr" sz="quarter" idx="4294967295"/>
           </p:nvPr>
         </p:nvSpPr>
         <p:spPr>
+          <a:xfrm>
+            <a:off x="916939" y="6464985"/>
+            <a:ext cx="1019175" cy="178434"/>
+          </a:xfrm>
           <a:prstGeom prst="rect">
             <a:avLst/>
           </a:prstGeom>
@@ -18746,10 +18230,14 @@
             <a:spLocks noGrp="1"/>
           </p:cNvSpPr>
           <p:nvPr>
-            <p:ph type="ftr" sz="quarter" idx="5"/>
+            <p:ph type="ftr" sz="quarter" idx="4294967295"/>
           </p:nvPr>
         </p:nvSpPr>
         <p:spPr>
+          <a:xfrm>
+            <a:off x="916939" y="6464985"/>
+            <a:ext cx="1019175" cy="178434"/>
+          </a:xfrm>
           <a:prstGeom prst="rect">
             <a:avLst/>
           </a:prstGeom>
@@ -19884,10 +19372,14 @@
             <a:spLocks noGrp="1"/>
           </p:cNvSpPr>
           <p:nvPr>
-            <p:ph type="ftr" sz="quarter" idx="5"/>
+            <p:ph type="ftr" sz="quarter" idx="4294967295"/>
           </p:nvPr>
         </p:nvSpPr>
         <p:spPr>
+          <a:xfrm>
+            <a:off x="916939" y="6464985"/>
+            <a:ext cx="1019175" cy="178434"/>
+          </a:xfrm>
           <a:prstGeom prst="rect">
             <a:avLst/>
           </a:prstGeom>
@@ -23022,10 +22514,14 @@
             <a:spLocks noGrp="1"/>
           </p:cNvSpPr>
           <p:nvPr>
-            <p:ph type="ftr" sz="quarter" idx="5"/>
+            <p:ph type="ftr" sz="quarter" idx="4294967295"/>
           </p:nvPr>
         </p:nvSpPr>
         <p:spPr>
+          <a:xfrm>
+            <a:off x="916939" y="6464985"/>
+            <a:ext cx="1019175" cy="178434"/>
+          </a:xfrm>
           <a:prstGeom prst="rect">
             <a:avLst/>
           </a:prstGeom>
@@ -23757,10 +23253,14 @@
             <a:spLocks noGrp="1"/>
           </p:cNvSpPr>
           <p:nvPr>
-            <p:ph type="ftr" sz="quarter" idx="5"/>
+            <p:ph type="ftr" sz="quarter" idx="4294967295"/>
           </p:nvPr>
         </p:nvSpPr>
         <p:spPr>
+          <a:xfrm>
+            <a:off x="916939" y="6464985"/>
+            <a:ext cx="1019175" cy="178434"/>
+          </a:xfrm>
           <a:prstGeom prst="rect">
             <a:avLst/>
           </a:prstGeom>
@@ -25096,10 +24596,14 @@
             <a:spLocks noGrp="1"/>
           </p:cNvSpPr>
           <p:nvPr>
-            <p:ph type="ftr" sz="quarter" idx="5"/>
+            <p:ph type="ftr" sz="quarter" idx="4294967295"/>
           </p:nvPr>
         </p:nvSpPr>
         <p:spPr>
+          <a:xfrm>
+            <a:off x="916939" y="6464985"/>
+            <a:ext cx="1019175" cy="178434"/>
+          </a:xfrm>
           <a:prstGeom prst="rect">
             <a:avLst/>
           </a:prstGeom>
@@ -27142,10 +26646,14 @@
             <a:spLocks noGrp="1"/>
           </p:cNvSpPr>
           <p:nvPr>
-            <p:ph type="ftr" sz="quarter" idx="5"/>
+            <p:ph type="ftr" sz="quarter" idx="4294967295"/>
           </p:nvPr>
         </p:nvSpPr>
         <p:spPr>
+          <a:xfrm>
+            <a:off x="916939" y="6464985"/>
+            <a:ext cx="1019175" cy="178434"/>
+          </a:xfrm>
           <a:prstGeom prst="rect">
             <a:avLst/>
           </a:prstGeom>
@@ -27290,10 +26798,14 @@
             <a:spLocks noGrp="1"/>
           </p:cNvSpPr>
           <p:nvPr>
-            <p:ph type="ftr" sz="quarter" idx="5"/>
+            <p:ph type="ftr" sz="quarter" idx="4294967295"/>
           </p:nvPr>
         </p:nvSpPr>
         <p:spPr>
+          <a:xfrm>
+            <a:off x="916939" y="6464985"/>
+            <a:ext cx="1019175" cy="178434"/>
+          </a:xfrm>
           <a:prstGeom prst="rect">
             <a:avLst/>
           </a:prstGeom>
@@ -29140,10 +28652,14 @@
             <a:spLocks noGrp="1"/>
           </p:cNvSpPr>
           <p:nvPr>
-            <p:ph type="ftr" sz="quarter" idx="5"/>
+            <p:ph type="ftr" sz="quarter" idx="4294967295"/>
           </p:nvPr>
         </p:nvSpPr>
         <p:spPr>
+          <a:xfrm>
+            <a:off x="916939" y="6464985"/>
+            <a:ext cx="1019175" cy="178434"/>
+          </a:xfrm>
           <a:prstGeom prst="rect">
             <a:avLst/>
           </a:prstGeom>
@@ -30012,10 +29528,14 @@
             <a:spLocks noGrp="1"/>
           </p:cNvSpPr>
           <p:nvPr>
-            <p:ph type="ftr" sz="quarter" idx="5"/>
+            <p:ph type="ftr" sz="quarter" idx="4294967295"/>
           </p:nvPr>
         </p:nvSpPr>
         <p:spPr>
+          <a:xfrm>
+            <a:off x="916939" y="6464985"/>
+            <a:ext cx="1019175" cy="178434"/>
+          </a:xfrm>
           <a:prstGeom prst="rect">
             <a:avLst/>
           </a:prstGeom>
@@ -33121,10 +32641,14 @@
             <a:spLocks noGrp="1"/>
           </p:cNvSpPr>
           <p:nvPr>
-            <p:ph type="ftr" sz="quarter" idx="5"/>
+            <p:ph type="ftr" sz="quarter" idx="4294967295"/>
           </p:nvPr>
         </p:nvSpPr>
         <p:spPr>
+          <a:xfrm>
+            <a:off x="916939" y="6464985"/>
+            <a:ext cx="1019175" cy="178434"/>
+          </a:xfrm>
           <a:prstGeom prst="rect">
             <a:avLst/>
           </a:prstGeom>
@@ -33941,10 +33465,14 @@
             <a:spLocks noGrp="1"/>
           </p:cNvSpPr>
           <p:nvPr>
-            <p:ph type="ftr" sz="quarter" idx="5"/>
+            <p:ph type="ftr" sz="quarter" idx="4294967295"/>
           </p:nvPr>
         </p:nvSpPr>
         <p:spPr>
+          <a:xfrm>
+            <a:off x="916939" y="6464985"/>
+            <a:ext cx="1019175" cy="178434"/>
+          </a:xfrm>
           <a:prstGeom prst="rect">
             <a:avLst/>
           </a:prstGeom>
@@ -35366,10 +34894,14 @@
             <a:spLocks noGrp="1"/>
           </p:cNvSpPr>
           <p:nvPr>
-            <p:ph type="ftr" sz="quarter" idx="5"/>
+            <p:ph type="ftr" sz="quarter" idx="4294967295"/>
           </p:nvPr>
         </p:nvSpPr>
         <p:spPr>
+          <a:xfrm>
+            <a:off x="916939" y="6464985"/>
+            <a:ext cx="1019175" cy="178434"/>
+          </a:xfrm>
           <a:prstGeom prst="rect">
             <a:avLst/>
           </a:prstGeom>
@@ -37237,10 +36769,14 @@
             <a:spLocks noGrp="1"/>
           </p:cNvSpPr>
           <p:nvPr>
-            <p:ph type="ftr" sz="quarter" idx="5"/>
+            <p:ph type="ftr" sz="quarter" idx="4294967295"/>
           </p:nvPr>
         </p:nvSpPr>
         <p:spPr>
+          <a:xfrm>
+            <a:off x="916939" y="6464985"/>
+            <a:ext cx="1019175" cy="178434"/>
+          </a:xfrm>
           <a:prstGeom prst="rect">
             <a:avLst/>
           </a:prstGeom>
@@ -38196,10 +37732,14 @@
             <a:spLocks noGrp="1"/>
           </p:cNvSpPr>
           <p:nvPr>
-            <p:ph type="ftr" sz="quarter" idx="5"/>
+            <p:ph type="ftr" sz="quarter" idx="4294967295"/>
           </p:nvPr>
         </p:nvSpPr>
         <p:spPr>
+          <a:xfrm>
+            <a:off x="916939" y="6464985"/>
+            <a:ext cx="1019175" cy="178434"/>
+          </a:xfrm>
           <a:prstGeom prst="rect">
             <a:avLst/>
           </a:prstGeom>
@@ -38356,10 +37896,14 @@
             <a:spLocks noGrp="1"/>
           </p:cNvSpPr>
           <p:nvPr>
-            <p:ph type="ftr" sz="quarter" idx="5"/>
+            <p:ph type="ftr" sz="quarter" idx="4294967295"/>
           </p:nvPr>
         </p:nvSpPr>
         <p:spPr>
+          <a:xfrm>
+            <a:off x="916939" y="6464985"/>
+            <a:ext cx="1019175" cy="178434"/>
+          </a:xfrm>
           <a:prstGeom prst="rect">
             <a:avLst/>
           </a:prstGeom>
@@ -38893,10 +38437,14 @@
             <a:spLocks noGrp="1"/>
           </p:cNvSpPr>
           <p:nvPr>
-            <p:ph type="ftr" sz="quarter" idx="5"/>
+            <p:ph type="ftr" sz="quarter" idx="4294967295"/>
           </p:nvPr>
         </p:nvSpPr>
         <p:spPr>
+          <a:xfrm>
+            <a:off x="916939" y="6464985"/>
+            <a:ext cx="1019175" cy="178434"/>
+          </a:xfrm>
           <a:prstGeom prst="rect">
             <a:avLst/>
           </a:prstGeom>
@@ -41721,10 +41269,14 @@
             <a:spLocks noGrp="1"/>
           </p:cNvSpPr>
           <p:nvPr>
-            <p:ph type="ftr" sz="quarter" idx="5"/>
+            <p:ph type="ftr" sz="quarter" idx="4294967295"/>
           </p:nvPr>
         </p:nvSpPr>
         <p:spPr>
+          <a:xfrm>
+            <a:off x="916939" y="6464985"/>
+            <a:ext cx="1019175" cy="178434"/>
+          </a:xfrm>
           <a:prstGeom prst="rect">
             <a:avLst/>
           </a:prstGeom>
@@ -41881,10 +41433,14 @@
             <a:spLocks noGrp="1"/>
           </p:cNvSpPr>
           <p:nvPr>
-            <p:ph type="ftr" sz="quarter" idx="5"/>
+            <p:ph type="ftr" sz="quarter" idx="4294967295"/>
           </p:nvPr>
         </p:nvSpPr>
         <p:spPr>
+          <a:xfrm>
+            <a:off x="916939" y="6464985"/>
+            <a:ext cx="1019175" cy="178434"/>
+          </a:xfrm>
           <a:prstGeom prst="rect">
             <a:avLst/>
           </a:prstGeom>
@@ -42722,10 +42278,14 @@
             <a:spLocks noGrp="1"/>
           </p:cNvSpPr>
           <p:nvPr>
-            <p:ph type="ftr" sz="quarter" idx="5"/>
+            <p:ph type="ftr" sz="quarter" idx="4294967295"/>
           </p:nvPr>
         </p:nvSpPr>
         <p:spPr>
+          <a:xfrm>
+            <a:off x="916939" y="6464985"/>
+            <a:ext cx="1019175" cy="178434"/>
+          </a:xfrm>
           <a:prstGeom prst="rect">
             <a:avLst/>
           </a:prstGeom>
@@ -43405,10 +42965,14 @@
             <a:spLocks noGrp="1"/>
           </p:cNvSpPr>
           <p:nvPr>
-            <p:ph type="ftr" sz="quarter" idx="5"/>
+            <p:ph type="ftr" sz="quarter" idx="4294967295"/>
           </p:nvPr>
         </p:nvSpPr>
         <p:spPr>
+          <a:xfrm>
+            <a:off x="916939" y="6464985"/>
+            <a:ext cx="1019175" cy="178434"/>
+          </a:xfrm>
           <a:prstGeom prst="rect">
             <a:avLst/>
           </a:prstGeom>
@@ -43577,10 +43141,14 @@
             <a:spLocks noGrp="1"/>
           </p:cNvSpPr>
           <p:nvPr>
-            <p:ph type="ftr" sz="quarter" idx="5"/>
+            <p:ph type="ftr" sz="quarter" idx="4294967295"/>
           </p:nvPr>
         </p:nvSpPr>
         <p:spPr>
+          <a:xfrm>
+            <a:off x="916939" y="6464985"/>
+            <a:ext cx="1019175" cy="178434"/>
+          </a:xfrm>
           <a:prstGeom prst="rect">
             <a:avLst/>
           </a:prstGeom>
@@ -44685,10 +44253,14 @@
             <a:spLocks noGrp="1"/>
           </p:cNvSpPr>
           <p:nvPr>
-            <p:ph type="ftr" sz="quarter" idx="5"/>
+            <p:ph type="ftr" sz="quarter" idx="4294967295"/>
           </p:nvPr>
         </p:nvSpPr>
         <p:spPr>
+          <a:xfrm>
+            <a:off x="916939" y="6464985"/>
+            <a:ext cx="1019175" cy="178434"/>
+          </a:xfrm>
           <a:prstGeom prst="rect">
             <a:avLst/>
           </a:prstGeom>
@@ -46670,10 +46242,14 @@
             <a:spLocks noGrp="1"/>
           </p:cNvSpPr>
           <p:nvPr>
-            <p:ph type="ftr" sz="quarter" idx="5"/>
+            <p:ph type="ftr" sz="quarter" idx="4294967295"/>
           </p:nvPr>
         </p:nvSpPr>
         <p:spPr>
+          <a:xfrm>
+            <a:off x="916939" y="6464985"/>
+            <a:ext cx="1019175" cy="178434"/>
+          </a:xfrm>
           <a:prstGeom prst="rect">
             <a:avLst/>
           </a:prstGeom>
@@ -47685,10 +47261,14 @@
             <a:spLocks noGrp="1"/>
           </p:cNvSpPr>
           <p:nvPr>
-            <p:ph type="ftr" sz="quarter" idx="5"/>
+            <p:ph type="ftr" sz="quarter" idx="4294967295"/>
           </p:nvPr>
         </p:nvSpPr>
         <p:spPr>
+          <a:xfrm>
+            <a:off x="916939" y="6464985"/>
+            <a:ext cx="1019175" cy="178434"/>
+          </a:xfrm>
           <a:prstGeom prst="rect">
             <a:avLst/>
           </a:prstGeom>
@@ -47855,10 +47435,14 @@
             <a:spLocks noGrp="1"/>
           </p:cNvSpPr>
           <p:nvPr>
-            <p:ph type="ftr" sz="quarter" idx="5"/>
+            <p:ph type="ftr" sz="quarter" idx="4294967295"/>
           </p:nvPr>
         </p:nvSpPr>
         <p:spPr>
+          <a:xfrm>
+            <a:off x="916939" y="6464985"/>
+            <a:ext cx="1019175" cy="178434"/>
+          </a:xfrm>
           <a:prstGeom prst="rect">
             <a:avLst/>
           </a:prstGeom>
@@ -48011,10 +47595,14 @@
             <a:spLocks noGrp="1"/>
           </p:cNvSpPr>
           <p:nvPr>
-            <p:ph type="ftr" sz="quarter" idx="5"/>
+            <p:ph type="ftr" sz="quarter" idx="4294967295"/>
           </p:nvPr>
         </p:nvSpPr>
         <p:spPr>
+          <a:xfrm>
+            <a:off x="916939" y="6464985"/>
+            <a:ext cx="1019175" cy="178434"/>
+          </a:xfrm>
           <a:prstGeom prst="rect">
             <a:avLst/>
           </a:prstGeom>
@@ -48886,10 +48474,14 @@
             <a:spLocks noGrp="1"/>
           </p:cNvSpPr>
           <p:nvPr>
-            <p:ph type="ftr" sz="quarter" idx="5"/>
+            <p:ph type="ftr" sz="quarter" idx="4294967295"/>
           </p:nvPr>
         </p:nvSpPr>
         <p:spPr>
+          <a:xfrm>
+            <a:off x="916939" y="6464985"/>
+            <a:ext cx="1019175" cy="178434"/>
+          </a:xfrm>
           <a:prstGeom prst="rect">
             <a:avLst/>
           </a:prstGeom>
@@ -49958,10 +49550,14 @@
             <a:spLocks noGrp="1"/>
           </p:cNvSpPr>
           <p:nvPr>
-            <p:ph type="ftr" sz="quarter" idx="5"/>
+            <p:ph type="ftr" sz="quarter" idx="4294967295"/>
           </p:nvPr>
         </p:nvSpPr>
         <p:spPr>
+          <a:xfrm>
+            <a:off x="916939" y="6464985"/>
+            <a:ext cx="1019175" cy="178434"/>
+          </a:xfrm>
           <a:prstGeom prst="rect">
             <a:avLst/>
           </a:prstGeom>
@@ -51656,10 +51252,14 @@
             <a:spLocks noGrp="1"/>
           </p:cNvSpPr>
           <p:nvPr>
-            <p:ph type="ftr" sz="quarter" idx="5"/>
+            <p:ph type="ftr" sz="quarter" idx="4294967295"/>
           </p:nvPr>
         </p:nvSpPr>
         <p:spPr>
+          <a:xfrm>
+            <a:off x="916939" y="6464985"/>
+            <a:ext cx="1019175" cy="178434"/>
+          </a:xfrm>
           <a:prstGeom prst="rect">
             <a:avLst/>
           </a:prstGeom>
@@ -52941,10 +52541,14 @@
             <a:spLocks noGrp="1"/>
           </p:cNvSpPr>
           <p:nvPr>
-            <p:ph type="ftr" sz="quarter" idx="5"/>
+            <p:ph type="ftr" sz="quarter" idx="4294967295"/>
           </p:nvPr>
         </p:nvSpPr>
         <p:spPr>
+          <a:xfrm>
+            <a:off x="916939" y="6464985"/>
+            <a:ext cx="1019175" cy="178434"/>
+          </a:xfrm>
           <a:prstGeom prst="rect">
             <a:avLst/>
           </a:prstGeom>
@@ -53535,10 +53139,14 @@
             <a:spLocks noGrp="1"/>
           </p:cNvSpPr>
           <p:nvPr>
-            <p:ph type="ftr" sz="quarter" idx="5"/>
+            <p:ph type="ftr" sz="quarter" idx="4294967295"/>
           </p:nvPr>
         </p:nvSpPr>
         <p:spPr>
+          <a:xfrm>
+            <a:off x="916939" y="6464985"/>
+            <a:ext cx="1019175" cy="178434"/>
+          </a:xfrm>
           <a:prstGeom prst="rect">
             <a:avLst/>
           </a:prstGeom>
@@ -54284,10 +53892,14 @@
             <a:spLocks noGrp="1"/>
           </p:cNvSpPr>
           <p:nvPr>
-            <p:ph type="ftr" sz="quarter" idx="5"/>
+            <p:ph type="ftr" sz="quarter" idx="4294967295"/>
           </p:nvPr>
         </p:nvSpPr>
         <p:spPr>
+          <a:xfrm>
+            <a:off x="916939" y="6464985"/>
+            <a:ext cx="1019175" cy="178434"/>
+          </a:xfrm>
           <a:prstGeom prst="rect">
             <a:avLst/>
           </a:prstGeom>
